--- a/Miloš Šošić, master rad - prezentacija.pptx
+++ b/Miloš Šošić, master rad - prezentacija.pptx
@@ -129,6 +129,11 @@
       </a:defRPr>
     </a:lvl9pPr>
   </p:defaultTextStyle>
+  <p:extLst>
+    <p:ext uri="{EFAFB233-063F-42B5-8137-9DF3F51BA10A}">
+      <p15:sldGuideLst xmlns:p15="http://schemas.microsoft.com/office/powerpoint/2012/main"/>
+    </p:ext>
+  </p:extLst>
 </p:presentation>
 </file>
 
@@ -648,7 +653,7 @@
           <a:p>
             <a:fld id="{96DFF08F-DC6B-4601-B491-B0F83F6DD2DA}" type="datetimeFigureOut">
               <a:rPr lang="en-US" smtClean="0"/>
-              <a:t>05-Oct-14</a:t>
+              <a:t>10/6/2014</a:t>
             </a:fld>
             <a:endParaRPr lang="en-US" dirty="0"/>
           </a:p>
@@ -749,7 +754,7 @@
           </a:ln>
           <a:extLst>
             <a:ext uri="{91240B29-F687-4f45-9708-019B960494DF}">
-              <a14:hiddenLine xmlns:a14="http://schemas.microsoft.com/office/drawing/2010/main" xmlns="" w="9525">
+              <a14:hiddenLine xmlns="" xmlns:a14="http://schemas.microsoft.com/office/drawing/2010/main" w="9525">
                 <a:solidFill>
                   <a:srgbClr val="000000"/>
                 </a:solidFill>
@@ -804,7 +809,7 @@
           </a:ln>
           <a:extLst>
             <a:ext uri="{91240B29-F687-4f45-9708-019B960494DF}">
-              <a14:hiddenLine xmlns:a14="http://schemas.microsoft.com/office/drawing/2010/main" xmlns="" w="9525">
+              <a14:hiddenLine xmlns="" xmlns:a14="http://schemas.microsoft.com/office/drawing/2010/main" w="9525">
                 <a:solidFill>
                   <a:srgbClr val="000000"/>
                 </a:solidFill>
@@ -1067,7 +1072,7 @@
             <a:fld id="{96DFF08F-DC6B-4601-B491-B0F83F6DD2DA}" type="datetimeFigureOut">
               <a:rPr lang="en-US" smtClean="0"/>
               <a:pPr/>
-              <a:t>05-Oct-14</a:t>
+              <a:t>10/6/2014</a:t>
             </a:fld>
             <a:endParaRPr lang="en-US" dirty="0"/>
           </a:p>
@@ -1317,7 +1322,7 @@
             <a:fld id="{96DFF08F-DC6B-4601-B491-B0F83F6DD2DA}" type="datetimeFigureOut">
               <a:rPr lang="en-US" smtClean="0"/>
               <a:pPr/>
-              <a:t>05-Oct-14</a:t>
+              <a:t>10/6/2014</a:t>
             </a:fld>
             <a:endParaRPr lang="en-US" dirty="0"/>
           </a:p>
@@ -1859,7 +1864,7 @@
             <a:fld id="{96DFF08F-DC6B-4601-B491-B0F83F6DD2DA}" type="datetimeFigureOut">
               <a:rPr lang="en-US" smtClean="0"/>
               <a:pPr/>
-              <a:t>05-Oct-14</a:t>
+              <a:t>10/6/2014</a:t>
             </a:fld>
             <a:endParaRPr lang="en-US" dirty="0"/>
           </a:p>
@@ -2109,7 +2114,7 @@
             <a:fld id="{96DFF08F-DC6B-4601-B491-B0F83F6DD2DA}" type="datetimeFigureOut">
               <a:rPr lang="en-US" smtClean="0"/>
               <a:pPr/>
-              <a:t>05-Oct-14</a:t>
+              <a:t>10/6/2014</a:t>
             </a:fld>
             <a:endParaRPr lang="en-US" dirty="0"/>
           </a:p>
@@ -2643,7 +2648,7 @@
             <a:fld id="{96DFF08F-DC6B-4601-B491-B0F83F6DD2DA}" type="datetimeFigureOut">
               <a:rPr lang="en-US" smtClean="0"/>
               <a:pPr/>
-              <a:t>05-Oct-14</a:t>
+              <a:t>10/6/2014</a:t>
             </a:fld>
             <a:endParaRPr lang="en-US" dirty="0"/>
           </a:p>
@@ -2942,7 +2947,7 @@
             <a:fld id="{96DFF08F-DC6B-4601-B491-B0F83F6DD2DA}" type="datetimeFigureOut">
               <a:rPr lang="en-US" smtClean="0"/>
               <a:pPr/>
-              <a:t>05-Oct-14</a:t>
+              <a:t>10/6/2014</a:t>
             </a:fld>
             <a:endParaRPr lang="en-US" dirty="0"/>
           </a:p>
@@ -3117,7 +3122,7 @@
           <a:p>
             <a:fld id="{96DFF08F-DC6B-4601-B491-B0F83F6DD2DA}" type="datetimeFigureOut">
               <a:rPr lang="en-US" smtClean="0"/>
-              <a:t>05-Oct-14</a:t>
+              <a:t>10/6/2014</a:t>
             </a:fld>
             <a:endParaRPr lang="en-US" dirty="0"/>
           </a:p>
@@ -3297,7 +3302,7 @@
           <a:p>
             <a:fld id="{96DFF08F-DC6B-4601-B491-B0F83F6DD2DA}" type="datetimeFigureOut">
               <a:rPr lang="en-US" smtClean="0"/>
-              <a:t>05-Oct-14</a:t>
+              <a:t>10/6/2014</a:t>
             </a:fld>
             <a:endParaRPr lang="en-US" dirty="0"/>
           </a:p>
@@ -3507,7 +3512,7 @@
           <a:p>
             <a:fld id="{2A57D7DE-61AE-4BC6-A87E-9454F8FD646E}" type="datetimeFigureOut">
               <a:rPr lang="en-US" smtClean="0"/>
-              <a:t>05-Oct-14</a:t>
+              <a:t>10/6/2014</a:t>
             </a:fld>
             <a:endParaRPr lang="en-US" dirty="0"/>
           </a:p>
@@ -3770,7 +3775,7 @@
           <a:p>
             <a:fld id="{96DFF08F-DC6B-4601-B491-B0F83F6DD2DA}" type="datetimeFigureOut">
               <a:rPr lang="en-US" smtClean="0"/>
-              <a:t>05-Oct-14</a:t>
+              <a:t>10/6/2014</a:t>
             </a:fld>
             <a:endParaRPr lang="en-US" dirty="0"/>
           </a:p>
@@ -4079,7 +4084,7 @@
           <a:p>
             <a:fld id="{96DFF08F-DC6B-4601-B491-B0F83F6DD2DA}" type="datetimeFigureOut">
               <a:rPr lang="en-US" smtClean="0"/>
-              <a:t>05-Oct-14</a:t>
+              <a:t>10/6/2014</a:t>
             </a:fld>
             <a:endParaRPr lang="en-US" dirty="0"/>
           </a:p>
@@ -4521,7 +4526,7 @@
           <a:p>
             <a:fld id="{96DFF08F-DC6B-4601-B491-B0F83F6DD2DA}" type="datetimeFigureOut">
               <a:rPr lang="en-US" smtClean="0"/>
-              <a:t>05-Oct-14</a:t>
+              <a:t>10/6/2014</a:t>
             </a:fld>
             <a:endParaRPr lang="en-US" dirty="0"/>
           </a:p>
@@ -4639,7 +4644,7 @@
           <a:p>
             <a:fld id="{96DFF08F-DC6B-4601-B491-B0F83F6DD2DA}" type="datetimeFigureOut">
               <a:rPr lang="en-US" smtClean="0"/>
-              <a:t>05-Oct-14</a:t>
+              <a:t>10/6/2014</a:t>
             </a:fld>
             <a:endParaRPr lang="en-US" dirty="0"/>
           </a:p>
@@ -4735,7 +4740,7 @@
             <a:fld id="{96DFF08F-DC6B-4601-B491-B0F83F6DD2DA}" type="datetimeFigureOut">
               <a:rPr lang="en-US" smtClean="0"/>
               <a:pPr/>
-              <a:t>05-Oct-14</a:t>
+              <a:t>10/6/2014</a:t>
             </a:fld>
             <a:endParaRPr lang="en-US" dirty="0"/>
           </a:p>
@@ -5020,7 +5025,7 @@
             <a:fld id="{96DFF08F-DC6B-4601-B491-B0F83F6DD2DA}" type="datetimeFigureOut">
               <a:rPr lang="en-US" smtClean="0"/>
               <a:pPr/>
-              <a:t>05-Oct-14</a:t>
+              <a:t>10/6/2014</a:t>
             </a:fld>
             <a:endParaRPr lang="en-US" dirty="0"/>
           </a:p>
@@ -5313,7 +5318,7 @@
             <a:fld id="{96DFF08F-DC6B-4601-B491-B0F83F6DD2DA}" type="datetimeFigureOut">
               <a:rPr lang="en-US" smtClean="0"/>
               <a:pPr/>
-              <a:t>05-Oct-14</a:t>
+              <a:t>10/6/2014</a:t>
             </a:fld>
             <a:endParaRPr lang="en-US" dirty="0"/>
           </a:p>
@@ -5839,7 +5844,7 @@
             <a:fld id="{96DFF08F-DC6B-4601-B491-B0F83F6DD2DA}" type="datetimeFigureOut">
               <a:rPr lang="en-US" smtClean="0"/>
               <a:pPr/>
-              <a:t>05-Oct-14</a:t>
+              <a:t>10/6/2014</a:t>
             </a:fld>
             <a:endParaRPr lang="en-US" dirty="0"/>
           </a:p>
@@ -6833,15 +6838,7 @@
                             <a:schemeClr val="tx1"/>
                           </a:solidFill>
                         </a:rPr>
-                        <a:t>проф. др Зорица Станимировић </a:t>
-                      </a:r>
-                      <a:r>
-                        <a:rPr lang="sr-Cyrl-RS" sz="1600" cap="none" dirty="0" smtClean="0">
-                          <a:solidFill>
-                            <a:schemeClr val="tx1"/>
-                          </a:solidFill>
-                        </a:rPr>
-                        <a:t>–</a:t>
+                        <a:t>проф. др Зорица Станимировић –</a:t>
                       </a:r>
                       <a:r>
                         <a:rPr lang="sr-Cyrl-RS" sz="1600" cap="none" baseline="0" dirty="0" smtClean="0">
@@ -6849,15 +6846,7 @@
                             <a:schemeClr val="tx1"/>
                           </a:solidFill>
                         </a:rPr>
-                        <a:t> </a:t>
-                      </a:r>
-                      <a:r>
-                        <a:rPr lang="sr-Cyrl-RS" sz="1600" cap="none" baseline="0" dirty="0" smtClean="0">
-                          <a:solidFill>
-                            <a:schemeClr val="tx1"/>
-                          </a:solidFill>
-                        </a:rPr>
-                        <a:t>ментор</a:t>
+                        <a:t> ментор</a:t>
                       </a:r>
                       <a:endParaRPr lang="en-US" sz="1600" cap="none" dirty="0" smtClean="0">
                         <a:solidFill>
@@ -7846,25 +7835,345 @@
           </a:p>
         </p:txBody>
       </p:sp>
-      <p:sp>
-        <p:nvSpPr>
-          <p:cNvPr id="3" name="Content Placeholder 2"/>
-          <p:cNvSpPr>
-            <a:spLocks noGrp="1"/>
-          </p:cNvSpPr>
-          <p:nvPr>
-            <p:ph idx="1"/>
-          </p:nvPr>
-        </p:nvSpPr>
-        <p:spPr/>
-        <p:txBody>
-          <a:bodyPr/>
-          <a:lstStyle/>
-          <a:p>
-            <a:endParaRPr lang="en-US" dirty="0"/>
-          </a:p>
-        </p:txBody>
-      </p:sp>
+      <mc:AlternateContent xmlns:mc="http://schemas.openxmlformats.org/markup-compatibility/2006">
+        <mc:Choice xmlns:a14="http://schemas.microsoft.com/office/drawing/2010/main" Requires="a14">
+          <p:sp>
+            <p:nvSpPr>
+              <p:cNvPr id="3" name="Content Placeholder 2"/>
+              <p:cNvSpPr>
+                <a:spLocks noGrp="1"/>
+              </p:cNvSpPr>
+              <p:nvPr>
+                <p:ph idx="1"/>
+              </p:nvPr>
+            </p:nvSpPr>
+            <p:spPr>
+              <a:xfrm>
+                <a:off x="982133" y="1460501"/>
+                <a:ext cx="7704667" cy="5096710"/>
+              </a:xfrm>
+            </p:spPr>
+            <p:txBody>
+              <a:bodyPr/>
+              <a:lstStyle/>
+              <a:p>
+                <a:r>
+                  <a:rPr lang="sr-Cyrl-RS" smtClean="0"/>
+                  <a:t>Проблем трговачког путника</a:t>
+                </a:r>
+              </a:p>
+              <a:p>
+                <a:pPr lvl="1"/>
+                <a:r>
+                  <a:rPr lang="sr-Cyrl-RS" smtClean="0"/>
+                  <a:t>формулација проблема</a:t>
+                </a:r>
+              </a:p>
+              <a:p>
+                <a:pPr lvl="1"/>
+                <a:r>
+                  <a:rPr lang="sr-Cyrl-RS" smtClean="0"/>
+                  <a:t>егзактни решавачи</a:t>
+                </a:r>
+                <a:endParaRPr lang="en-US" smtClean="0"/>
+              </a:p>
+              <a:p>
+                <a:pPr lvl="2"/>
+                <a:r>
+                  <a:rPr lang="sr-Cyrl-RS" smtClean="0"/>
+                  <a:t>први </a:t>
+                </a:r>
+                <a14:m>
+                  <m:oMath xmlns:m="http://schemas.openxmlformats.org/officeDocument/2006/math">
+                    <m:r>
+                      <a:rPr lang="sr-Cyrl-RS" b="0" i="1" smtClean="0">
+                        <a:latin typeface="Cambria Math" panose="02040503050406030204" pitchFamily="18" charset="0"/>
+                      </a:rPr>
+                      <m:t>1950</m:t>
+                    </m:r>
+                  </m:oMath>
+                </a14:m>
+                <a:r>
+                  <a:rPr lang="sr-Cyrl-RS" smtClean="0"/>
+                  <a:t>-их година </a:t>
+                </a:r>
+                <a:r>
+                  <a:rPr lang="en-US" smtClean="0"/>
+                  <a:t>[qq], </a:t>
+                </a:r>
+                <a:r>
+                  <a:rPr lang="sr-Cyrl-RS" smtClean="0"/>
+                  <a:t>несамостални </a:t>
+                </a:r>
+              </a:p>
+              <a:p>
+                <a:pPr lvl="2"/>
+                <a:r>
+                  <a:rPr lang="sr-Cyrl-RS" smtClean="0"/>
+                  <a:t>тренутно најбољи </a:t>
+                </a:r>
+                <a:r>
+                  <a:rPr lang="en-US" i="1" smtClean="0"/>
+                  <a:t>Concorde</a:t>
+                </a:r>
+                <a:r>
+                  <a:rPr lang="sr-Cyrl-RS" i="1" smtClean="0"/>
+                  <a:t>, </a:t>
+                </a:r>
+                <a:r>
+                  <a:rPr lang="sr-Cyrl-RS" smtClean="0"/>
+                  <a:t>решава инстанце до димензије </a:t>
+                </a:r>
+                <a14:m>
+                  <m:oMath xmlns:m="http://schemas.openxmlformats.org/officeDocument/2006/math">
+                    <m:r>
+                      <a:rPr lang="sr-Cyrl-RS" b="0" i="1" smtClean="0">
+                        <a:latin typeface="Cambria Math" panose="02040503050406030204" pitchFamily="18" charset="0"/>
+                      </a:rPr>
+                      <m:t>85900</m:t>
+                    </m:r>
+                  </m:oMath>
+                </a14:m>
+                <a:endParaRPr lang="sr-Cyrl-RS" smtClean="0"/>
+              </a:p>
+              <a:p>
+                <a:pPr lvl="1"/>
+                <a:r>
+                  <a:rPr lang="sr-Cyrl-RS" smtClean="0"/>
+                  <a:t>приближни алгоритми и хуристике</a:t>
+                </a:r>
+              </a:p>
+              <a:p>
+                <a:pPr lvl="2"/>
+                <a:r>
+                  <a:rPr lang="sr-Cyrl-RS" smtClean="0"/>
+                  <a:t>најбољи апроксимациони фактор </a:t>
+                </a:r>
+                <a14:m>
+                  <m:oMath xmlns:m="http://schemas.openxmlformats.org/officeDocument/2006/math">
+                    <m:r>
+                      <a:rPr lang="sr-Cyrl-RS" b="0" i="1" smtClean="0">
+                        <a:latin typeface="Cambria Math" panose="02040503050406030204" pitchFamily="18" charset="0"/>
+                      </a:rPr>
+                      <m:t>1</m:t>
+                    </m:r>
+                    <m:r>
+                      <a:rPr lang="en-US" b="0" i="1" smtClean="0">
+                        <a:latin typeface="Cambria Math" panose="02040503050406030204" pitchFamily="18" charset="0"/>
+                      </a:rPr>
+                      <m:t>+1/</m:t>
+                    </m:r>
+                    <m:r>
+                      <a:rPr lang="en-US" b="0" i="1" smtClean="0">
+                        <a:latin typeface="Cambria Math" panose="02040503050406030204" pitchFamily="18" charset="0"/>
+                      </a:rPr>
+                      <m:t>𝑐</m:t>
+                    </m:r>
+                  </m:oMath>
+                </a14:m>
+                <a:endParaRPr lang="en-US" dirty="0" smtClean="0"/>
+              </a:p>
+              <a:p>
+                <a:pPr lvl="2"/>
+                <a:r>
+                  <a:rPr lang="sr-Cyrl-RS" smtClean="0"/>
+                  <a:t>конструкционе хеуристике (</a:t>
+                </a:r>
+                <a:r>
+                  <a:rPr lang="en-US"/>
+                  <a:t> </a:t>
+                </a:r>
+                <a:r>
+                  <a:rPr lang="en-US" i="1" smtClean="0"/>
+                  <a:t>Nearest Neighbor </a:t>
+                </a:r>
+                <a:r>
+                  <a:rPr lang="en-US"/>
+                  <a:t>[qq]</a:t>
+                </a:r>
+                <a:r>
+                  <a:rPr lang="en-US" i="1" smtClean="0"/>
+                  <a:t>, Christofides </a:t>
+                </a:r>
+                <a:r>
+                  <a:rPr lang="en-US"/>
+                  <a:t>[qq]</a:t>
+                </a:r>
+                <a:r>
+                  <a:rPr lang="en-US" smtClean="0"/>
+                  <a:t> </a:t>
+                </a:r>
+                <a:r>
+                  <a:rPr lang="sr-Cyrl-RS" smtClean="0"/>
+                  <a:t>)</a:t>
+                </a:r>
+                <a:endParaRPr lang="en-US" smtClean="0"/>
+              </a:p>
+              <a:p>
+                <a:pPr lvl="2"/>
+                <a:r>
+                  <a:rPr lang="sr-Cyrl-RS" smtClean="0"/>
+                  <a:t>итеративне</a:t>
+                </a:r>
+                <a:r>
+                  <a:rPr lang="en-US" smtClean="0"/>
+                  <a:t> </a:t>
+                </a:r>
+                <a:r>
+                  <a:rPr lang="sr-Cyrl-RS" smtClean="0"/>
+                  <a:t>хеуристике (</a:t>
+                </a:r>
+                <a:r>
+                  <a:rPr lang="en-US" smtClean="0"/>
+                  <a:t> </a:t>
+                </a:r>
+                <a:r>
+                  <a:rPr lang="en-US" i="1" smtClean="0"/>
+                  <a:t>2-opt</a:t>
+                </a:r>
+                <a:r>
+                  <a:rPr lang="en-US" smtClean="0"/>
+                  <a:t> [qq], </a:t>
+                </a:r>
+                <a:r>
+                  <a:rPr lang="en-US" i="1" smtClean="0"/>
+                  <a:t>Lin-Kernighan </a:t>
+                </a:r>
+                <a:r>
+                  <a:rPr lang="en-US" smtClean="0"/>
+                  <a:t>[qq] </a:t>
+                </a:r>
+                <a:r>
+                  <a:rPr lang="sr-Cyrl-RS" smtClean="0"/>
+                  <a:t>)</a:t>
+                </a:r>
+                <a:endParaRPr lang="en-US" smtClean="0"/>
+              </a:p>
+              <a:p>
+                <a:pPr lvl="2"/>
+                <a:r>
+                  <a:rPr lang="sr-Cyrl-RS" smtClean="0"/>
+                  <a:t>хеуристике инспирисане природом ( </a:t>
+                </a:r>
+                <a:r>
+                  <a:rPr lang="en-US" i="1" smtClean="0"/>
+                  <a:t>Ant Colony System </a:t>
+                </a:r>
+                <a:r>
+                  <a:rPr lang="en-US"/>
+                  <a:t>[</a:t>
+                </a:r>
+                <a:r>
+                  <a:rPr lang="en-US"/>
+                  <a:t>qq</a:t>
+                </a:r>
+                <a:r>
+                  <a:rPr lang="en-US" smtClean="0"/>
+                  <a:t>], </a:t>
+                </a:r>
+                <a:r>
+                  <a:rPr lang="en-US" i="1" smtClean="0"/>
+                  <a:t>Genetic Algorithm </a:t>
+                </a:r>
+                <a:r>
+                  <a:rPr lang="en-US"/>
+                  <a:t>[</a:t>
+                </a:r>
+                <a:r>
+                  <a:rPr lang="en-US"/>
+                  <a:t>qq</a:t>
+                </a:r>
+                <a:r>
+                  <a:rPr lang="en-US" smtClean="0"/>
+                  <a:t>]</a:t>
+                </a:r>
+                <a:r>
+                  <a:rPr lang="sr-Cyrl-RS" smtClean="0"/>
+                  <a:t> )</a:t>
+                </a:r>
+                <a:endParaRPr lang="en-US" smtClean="0"/>
+              </a:p>
+              <a:p>
+                <a:pPr lvl="2"/>
+                <a:r>
+                  <a:rPr lang="sr-Cyrl-RS" smtClean="0"/>
+                  <a:t>и друге ( </a:t>
+                </a:r>
+                <a:r>
+                  <a:rPr lang="en-US" i="1" smtClean="0"/>
+                  <a:t>Tabu Search </a:t>
+                </a:r>
+                <a:r>
+                  <a:rPr lang="en-US"/>
+                  <a:t>[</a:t>
+                </a:r>
+                <a:r>
+                  <a:rPr lang="en-US"/>
+                  <a:t>qq</a:t>
+                </a:r>
+                <a:r>
+                  <a:rPr lang="en-US" smtClean="0"/>
+                  <a:t>], </a:t>
+                </a:r>
+                <a:r>
+                  <a:rPr lang="en-US" i="1" smtClean="0"/>
+                  <a:t>Simulated Annealing </a:t>
+                </a:r>
+                <a:r>
+                  <a:rPr lang="en-US"/>
+                  <a:t>[qq</a:t>
+                </a:r>
+                <a:r>
+                  <a:rPr lang="en-US"/>
+                  <a:t>]</a:t>
+                </a:r>
+                <a:r>
+                  <a:rPr lang="sr-Cyrl-RS" smtClean="0"/>
+                  <a:t> )</a:t>
+                </a:r>
+                <a:endParaRPr lang="en-US" dirty="0"/>
+              </a:p>
+            </p:txBody>
+          </p:sp>
+        </mc:Choice>
+        <mc:Fallback>
+          <p:sp>
+            <p:nvSpPr>
+              <p:cNvPr id="3" name="Content Placeholder 2"/>
+              <p:cNvSpPr>
+                <a:spLocks noGrp="1" noRot="1" noChangeAspect="1" noMove="1" noResize="1" noEditPoints="1" noAdjustHandles="1" noChangeArrowheads="1" noChangeShapeType="1" noTextEdit="1"/>
+              </p:cNvSpPr>
+              <p:nvPr>
+                <p:ph idx="1"/>
+              </p:nvPr>
+            </p:nvSpPr>
+            <p:spPr>
+              <a:xfrm>
+                <a:off x="982133" y="1460501"/>
+                <a:ext cx="7704667" cy="5096710"/>
+              </a:xfrm>
+              <a:blipFill rotWithShape="0">
+                <a:blip r:embed="rId2"/>
+                <a:stretch>
+                  <a:fillRect l="-1503"/>
+                </a:stretch>
+              </a:blipFill>
+            </p:spPr>
+            <p:txBody>
+              <a:bodyPr/>
+              <a:lstStyle/>
+              <a:p>
+                <a:r>
+                  <a:rPr lang="en-GB">
+                    <a:noFill/>
+                  </a:rPr>
+                  <a:t> </a:t>
+                </a:r>
+              </a:p>
+            </p:txBody>
+          </p:sp>
+        </mc:Fallback>
+      </mc:AlternateContent>
     </p:spTree>
     <p:extLst>
       <p:ext uri="{BB962C8B-B14F-4D97-AF65-F5344CB8AC3E}">
@@ -8482,25 +8791,280 @@
           </a:p>
         </p:txBody>
       </p:sp>
-      <p:sp>
-        <p:nvSpPr>
-          <p:cNvPr id="3" name="Content Placeholder 2"/>
-          <p:cNvSpPr>
-            <a:spLocks noGrp="1"/>
-          </p:cNvSpPr>
-          <p:nvPr>
-            <p:ph idx="1"/>
-          </p:nvPr>
-        </p:nvSpPr>
-        <p:spPr/>
-        <p:txBody>
-          <a:bodyPr/>
-          <a:lstStyle/>
-          <a:p>
-            <a:endParaRPr lang="en-US"/>
-          </a:p>
-        </p:txBody>
-      </p:sp>
+      <mc:AlternateContent xmlns:mc="http://schemas.openxmlformats.org/markup-compatibility/2006">
+        <mc:Choice xmlns:a14="http://schemas.microsoft.com/office/drawing/2010/main" Requires="a14">
+          <p:sp>
+            <p:nvSpPr>
+              <p:cNvPr id="3" name="Content Placeholder 2"/>
+              <p:cNvSpPr>
+                <a:spLocks noGrp="1"/>
+              </p:cNvSpPr>
+              <p:nvPr>
+                <p:ph idx="1"/>
+              </p:nvPr>
+            </p:nvSpPr>
+            <p:spPr/>
+            <p:txBody>
+              <a:bodyPr/>
+              <a:lstStyle/>
+              <a:p>
+                <a:r>
+                  <a:rPr lang="sr-Cyrl-RS" smtClean="0"/>
+                  <a:t>Проблем </a:t>
+                </a:r>
+                <a:r>
+                  <a:rPr lang="sr-Cyrl-RS"/>
+                  <a:t>трговачког </a:t>
+                </a:r>
+                <a:r>
+                  <a:rPr lang="sr-Cyrl-RS" smtClean="0"/>
+                  <a:t>путника</a:t>
+                </a:r>
+                <a:r>
+                  <a:rPr lang="en-US" smtClean="0"/>
+                  <a:t> – </a:t>
+                </a:r>
+                <a:r>
+                  <a:rPr lang="sr-Cyrl-RS" smtClean="0"/>
+                  <a:t>варијације</a:t>
+                </a:r>
+              </a:p>
+              <a:p>
+                <a:pPr lvl="1"/>
+                <a14:m>
+                  <m:oMath xmlns:m="http://schemas.openxmlformats.org/officeDocument/2006/math">
+                    <m:r>
+                      <a:rPr lang="en-US" b="0" i="1" smtClean="0">
+                        <a:latin typeface="Cambria Math" panose="02040503050406030204" pitchFamily="18" charset="0"/>
+                      </a:rPr>
+                      <m:t>𝑚𝑇𝑆𝑃</m:t>
+                    </m:r>
+                  </m:oMath>
+                </a14:m>
+                <a:r>
+                  <a:rPr lang="en-US" smtClean="0"/>
+                  <a:t> </a:t>
+                </a:r>
+                <a:r>
+                  <a:rPr lang="en-US" smtClean="0"/>
+                  <a:t>– </a:t>
+                </a:r>
+                <a:r>
+                  <a:rPr lang="sr-Cyrl-RS" smtClean="0"/>
+                  <a:t>више трговачких путника</a:t>
+                </a:r>
+              </a:p>
+              <a:p>
+                <a:pPr lvl="2"/>
+                <a:r>
+                  <a:rPr lang="sr-Cyrl-RS" smtClean="0"/>
+                  <a:t>примена у штампарству, распоређивању екипе, планирању мисија и др.</a:t>
+                </a:r>
+              </a:p>
+              <a:p>
+                <a:pPr lvl="2"/>
+                <a:r>
+                  <a:rPr lang="sr-Cyrl-RS" smtClean="0"/>
+                  <a:t>хеуристичка решења ( алгоритам неуронских мрежа </a:t>
+                </a:r>
+                <a:r>
+                  <a:rPr lang="en-US" smtClean="0"/>
+                  <a:t>[qq], </a:t>
+                </a:r>
+                <a:r>
+                  <a:rPr lang="sr-Cyrl-RS" smtClean="0"/>
+                  <a:t>табу претрага </a:t>
+                </a:r>
+                <a:r>
+                  <a:rPr lang="en-US"/>
+                  <a:t>[qq</a:t>
+                </a:r>
+                <a:r>
+                  <a:rPr lang="en-US"/>
+                  <a:t>]</a:t>
+                </a:r>
+                <a:r>
+                  <a:rPr lang="sr-Cyrl-RS" smtClean="0"/>
+                  <a:t> )</a:t>
+                </a:r>
+              </a:p>
+              <a:p>
+                <a:pPr lvl="1"/>
+                <a:r>
+                  <a:rPr lang="sr-Cyrl-RS" smtClean="0"/>
+                  <a:t> генерализовани </a:t>
+                </a:r>
+                <a14:m>
+                  <m:oMath xmlns:m="http://schemas.openxmlformats.org/officeDocument/2006/math">
+                    <m:r>
+                      <a:rPr lang="en-US" i="1">
+                        <a:latin typeface="Cambria Math" panose="02040503050406030204" pitchFamily="18" charset="0"/>
+                      </a:rPr>
+                      <m:t>𝑇𝑆𝑃</m:t>
+                    </m:r>
+                  </m:oMath>
+                </a14:m>
+                <a:r>
+                  <a:rPr lang="sr-Cyrl-RS" smtClean="0"/>
+                  <a:t> </a:t>
+                </a:r>
+                <a:r>
+                  <a:rPr lang="en-US" smtClean="0"/>
+                  <a:t>–</a:t>
+                </a:r>
+                <a:r>
+                  <a:rPr lang="sr-Cyrl-RS" smtClean="0"/>
+                  <a:t> градови подељени у групе</a:t>
+                </a:r>
+              </a:p>
+              <a:p>
+                <a:pPr lvl="2"/>
+                <a:r>
+                  <a:rPr lang="sr-Cyrl-RS" smtClean="0"/>
+                  <a:t>примена у рутирању авиона </a:t>
+                </a:r>
+                <a:r>
+                  <a:rPr lang="en-US"/>
+                  <a:t>[</a:t>
+                </a:r>
+                <a:r>
+                  <a:rPr lang="en-US"/>
+                  <a:t>qq</a:t>
+                </a:r>
+                <a:r>
+                  <a:rPr lang="en-US" smtClean="0"/>
+                  <a:t>]</a:t>
+                </a:r>
+                <a:r>
+                  <a:rPr lang="sr-Cyrl-RS" smtClean="0"/>
+                  <a:t>, рутирању возила, при достави поште </a:t>
+                </a:r>
+                <a:r>
+                  <a:rPr lang="en-US"/>
+                  <a:t>[</a:t>
+                </a:r>
+                <a:r>
+                  <a:rPr lang="en-US"/>
+                  <a:t>qq</a:t>
+                </a:r>
+                <a:r>
+                  <a:rPr lang="en-US" smtClean="0"/>
+                  <a:t>]</a:t>
+                </a:r>
+                <a:r>
+                  <a:rPr lang="sr-Cyrl-RS" smtClean="0"/>
+                  <a:t> и др. </a:t>
+                </a:r>
+              </a:p>
+              <a:p>
+                <a:pPr lvl="2"/>
+                <a:r>
+                  <a:rPr lang="sr-Cyrl-RS" smtClean="0"/>
+                  <a:t>хеуристичка решења ( генетски алгоритам </a:t>
+                </a:r>
+                <a:r>
+                  <a:rPr lang="en-US"/>
+                  <a:t>[</a:t>
+                </a:r>
+                <a:r>
+                  <a:rPr lang="en-US"/>
+                  <a:t>qq</a:t>
+                </a:r>
+                <a:r>
+                  <a:rPr lang="en-US" smtClean="0"/>
+                  <a:t>]</a:t>
+                </a:r>
+                <a:r>
+                  <a:rPr lang="sr-Cyrl-RS" smtClean="0"/>
+                  <a:t> и друга </a:t>
+                </a:r>
+                <a:r>
+                  <a:rPr lang="en-US"/>
+                  <a:t>[</a:t>
+                </a:r>
+                <a:r>
+                  <a:rPr lang="en-US"/>
+                  <a:t>qq</a:t>
+                </a:r>
+                <a:r>
+                  <a:rPr lang="en-US" smtClean="0"/>
+                  <a:t>]</a:t>
+                </a:r>
+                <a:r>
+                  <a:rPr lang="sr-Cyrl-RS" smtClean="0"/>
+                  <a:t>,</a:t>
+                </a:r>
+                <a:r>
+                  <a:rPr lang="en-US"/>
+                  <a:t> [</a:t>
+                </a:r>
+                <a:r>
+                  <a:rPr lang="en-US"/>
+                  <a:t>qq</a:t>
+                </a:r>
+                <a:r>
+                  <a:rPr lang="en-US" smtClean="0"/>
+                  <a:t>]</a:t>
+                </a:r>
+                <a:r>
+                  <a:rPr lang="sr-Cyrl-RS" smtClean="0"/>
+                  <a:t>,</a:t>
+                </a:r>
+                <a:r>
+                  <a:rPr lang="en-US"/>
+                  <a:t> [qq]</a:t>
+                </a:r>
+                <a:r>
+                  <a:rPr lang="sr-Cyrl-RS" smtClean="0"/>
+                  <a:t> )</a:t>
+                </a:r>
+                <a:endParaRPr lang="sr-Cyrl-RS"/>
+              </a:p>
+              <a:p>
+                <a:pPr lvl="1"/>
+                <a:r>
+                  <a:rPr lang="sr-Cyrl-RS" smtClean="0"/>
+                  <a:t>проблем минималног кашњења</a:t>
+                </a:r>
+                <a:endParaRPr lang="en-US"/>
+              </a:p>
+            </p:txBody>
+          </p:sp>
+        </mc:Choice>
+        <mc:Fallback>
+          <p:sp>
+            <p:nvSpPr>
+              <p:cNvPr id="3" name="Content Placeholder 2"/>
+              <p:cNvSpPr>
+                <a:spLocks noGrp="1" noRot="1" noChangeAspect="1" noMove="1" noResize="1" noEditPoints="1" noAdjustHandles="1" noChangeArrowheads="1" noChangeShapeType="1" noTextEdit="1"/>
+              </p:cNvSpPr>
+              <p:nvPr>
+                <p:ph idx="1"/>
+              </p:nvPr>
+            </p:nvSpPr>
+            <p:spPr>
+              <a:blipFill rotWithShape="0">
+                <a:blip r:embed="rId2"/>
+                <a:stretch>
+                  <a:fillRect l="-1503" r="-791"/>
+                </a:stretch>
+              </a:blipFill>
+            </p:spPr>
+            <p:txBody>
+              <a:bodyPr/>
+              <a:lstStyle/>
+              <a:p>
+                <a:r>
+                  <a:rPr lang="en-GB">
+                    <a:noFill/>
+                  </a:rPr>
+                  <a:t> </a:t>
+                </a:r>
+              </a:p>
+            </p:txBody>
+          </p:sp>
+        </mc:Fallback>
+      </mc:AlternateContent>
     </p:spTree>
     <p:extLst>
       <p:ext uri="{BB962C8B-B14F-4D97-AF65-F5344CB8AC3E}">
@@ -8561,25 +9125,170 @@
           </a:p>
         </p:txBody>
       </p:sp>
-      <p:sp>
-        <p:nvSpPr>
-          <p:cNvPr id="3" name="Content Placeholder 2"/>
-          <p:cNvSpPr>
-            <a:spLocks noGrp="1"/>
-          </p:cNvSpPr>
-          <p:nvPr>
-            <p:ph idx="1"/>
-          </p:nvPr>
-        </p:nvSpPr>
-        <p:spPr/>
-        <p:txBody>
-          <a:bodyPr/>
-          <a:lstStyle/>
-          <a:p>
-            <a:endParaRPr lang="en-US"/>
-          </a:p>
-        </p:txBody>
-      </p:sp>
+      <mc:AlternateContent xmlns:mc="http://schemas.openxmlformats.org/markup-compatibility/2006">
+        <mc:Choice xmlns:a14="http://schemas.microsoft.com/office/drawing/2010/main" Requires="a14">
+          <p:sp>
+            <p:nvSpPr>
+              <p:cNvPr id="3" name="Content Placeholder 2"/>
+              <p:cNvSpPr>
+                <a:spLocks noGrp="1"/>
+              </p:cNvSpPr>
+              <p:nvPr>
+                <p:ph idx="1"/>
+              </p:nvPr>
+            </p:nvSpPr>
+            <p:spPr>
+              <a:xfrm>
+                <a:off x="982133" y="1460501"/>
+                <a:ext cx="7704667" cy="5265152"/>
+              </a:xfrm>
+            </p:spPr>
+            <p:txBody>
+              <a:bodyPr/>
+              <a:lstStyle/>
+              <a:p>
+                <a:r>
+                  <a:rPr lang="sr-Cyrl-RS" smtClean="0"/>
+                  <a:t>формулација проблема</a:t>
+                </a:r>
+              </a:p>
+              <a:p>
+                <a:pPr lvl="1"/>
+                <a:r>
+                  <a:rPr lang="sr-Cyrl-RS" smtClean="0"/>
+                  <a:t>дат граф </a:t>
+                </a:r>
+                <a14:m>
+                  <m:oMath xmlns:m="http://schemas.openxmlformats.org/officeDocument/2006/math">
+                    <m:r>
+                      <a:rPr lang="en-US" b="0" i="1" smtClean="0">
+                        <a:latin typeface="Cambria Math" panose="02040503050406030204" pitchFamily="18" charset="0"/>
+                      </a:rPr>
+                      <m:t>𝐺</m:t>
+                    </m:r>
+                    <m:r>
+                      <a:rPr lang="en-US" b="0" i="1" smtClean="0">
+                        <a:latin typeface="Cambria Math" panose="02040503050406030204" pitchFamily="18" charset="0"/>
+                      </a:rPr>
+                      <m:t>=(</m:t>
+                    </m:r>
+                    <m:r>
+                      <a:rPr lang="en-US" b="0" i="1" smtClean="0">
+                        <a:latin typeface="Cambria Math" panose="02040503050406030204" pitchFamily="18" charset="0"/>
+                      </a:rPr>
+                      <m:t>𝑉</m:t>
+                    </m:r>
+                    <m:r>
+                      <a:rPr lang="en-US" b="0" i="1" smtClean="0">
+                        <a:latin typeface="Cambria Math" panose="02040503050406030204" pitchFamily="18" charset="0"/>
+                      </a:rPr>
+                      <m:t>,</m:t>
+                    </m:r>
+                    <m:r>
+                      <a:rPr lang="en-US" b="0" i="1" smtClean="0">
+                        <a:latin typeface="Cambria Math" panose="02040503050406030204" pitchFamily="18" charset="0"/>
+                      </a:rPr>
+                      <m:t>𝐴</m:t>
+                    </m:r>
+                    <m:r>
+                      <a:rPr lang="en-US" b="0" i="1" smtClean="0">
+                        <a:latin typeface="Cambria Math" panose="02040503050406030204" pitchFamily="18" charset="0"/>
+                      </a:rPr>
+                      <m:t>)</m:t>
+                    </m:r>
+                  </m:oMath>
+                </a14:m>
+                <a:endParaRPr lang="en-US" smtClean="0"/>
+              </a:p>
+              <a:p>
+                <a:pPr lvl="1"/>
+                <a:r>
+                  <a:rPr lang="sr-Cyrl-RS" smtClean="0"/>
+                  <a:t>дати трошкови пута преко сваке гране</a:t>
+                </a:r>
+              </a:p>
+              <a:p>
+                <a:pPr lvl="1"/>
+                <a:r>
+                  <a:rPr lang="sr-Cyrl-RS" smtClean="0"/>
+                  <a:t>треба пронаћи Хамилтонов пут</a:t>
+                </a:r>
+              </a:p>
+              <a:p>
+                <a:r>
+                  <a:rPr lang="sr-Cyrl-RS" smtClean="0"/>
+                  <a:t>примена у дистрибуцији робе корисницима, логистици у кризним ситуацијама, распоређевању послова</a:t>
+                </a:r>
+              </a:p>
+              <a:p>
+                <a:r>
+                  <a:rPr lang="sr-Cyrl-RS" smtClean="0"/>
+                  <a:t>варијације проблема</a:t>
+                </a:r>
+              </a:p>
+              <a:p>
+                <a:pPr lvl="1"/>
+                <a:r>
+                  <a:rPr lang="sr-Cyrl-RS" smtClean="0"/>
+                  <a:t>проблем путујућег сервисера</a:t>
+                </a:r>
+              </a:p>
+              <a:p>
+                <a:pPr lvl="1"/>
+                <a:r>
+                  <a:rPr lang="sr-Cyrl-RS" smtClean="0"/>
+                  <a:t>проблем курира</a:t>
+                </a:r>
+              </a:p>
+              <a:p>
+                <a:pPr lvl="1"/>
+                <a:r>
+                  <a:rPr lang="sr-Cyrl-RS" smtClean="0"/>
+                  <a:t>проблем распоређивања послова на машини</a:t>
+                </a:r>
+                <a:endParaRPr lang="en-US"/>
+              </a:p>
+            </p:txBody>
+          </p:sp>
+        </mc:Choice>
+        <mc:Fallback>
+          <p:sp>
+            <p:nvSpPr>
+              <p:cNvPr id="3" name="Content Placeholder 2"/>
+              <p:cNvSpPr>
+                <a:spLocks noGrp="1" noRot="1" noChangeAspect="1" noMove="1" noResize="1" noEditPoints="1" noAdjustHandles="1" noChangeArrowheads="1" noChangeShapeType="1" noTextEdit="1"/>
+              </p:cNvSpPr>
+              <p:nvPr>
+                <p:ph idx="1"/>
+              </p:nvPr>
+            </p:nvSpPr>
+            <p:spPr>
+              <a:xfrm>
+                <a:off x="982133" y="1460501"/>
+                <a:ext cx="7704667" cy="5265152"/>
+              </a:xfrm>
+              <a:blipFill rotWithShape="0">
+                <a:blip r:embed="rId2"/>
+                <a:stretch>
+                  <a:fillRect l="-1503"/>
+                </a:stretch>
+              </a:blipFill>
+            </p:spPr>
+            <p:txBody>
+              <a:bodyPr/>
+              <a:lstStyle/>
+              <a:p>
+                <a:r>
+                  <a:rPr lang="en-GB">
+                    <a:noFill/>
+                  </a:rPr>
+                  <a:t> </a:t>
+                </a:r>
+              </a:p>
+            </p:txBody>
+          </p:sp>
+        </mc:Fallback>
+      </mc:AlternateContent>
     </p:spTree>
     <p:extLst>
       <p:ext uri="{BB962C8B-B14F-4D97-AF65-F5344CB8AC3E}">
@@ -8655,6 +9364,15 @@
           <a:bodyPr/>
           <a:lstStyle/>
           <a:p>
+            <a:r>
+              <a:rPr lang="sr-Cyrl-RS" smtClean="0"/>
+              <a:t>Математичка формулација</a:t>
+            </a:r>
+          </a:p>
+          <a:p>
+            <a:pPr marL="457200" lvl="1" indent="0">
+              <a:buNone/>
+            </a:pPr>
             <a:endParaRPr lang="en-US"/>
           </a:p>
         </p:txBody>

--- a/Miloš Šošić, master rad - prezentacija.pptx
+++ b/Miloš Šošić, master rad - prezentacija.pptx
@@ -653,7 +653,7 @@
           <a:p>
             <a:fld id="{96DFF08F-DC6B-4601-B491-B0F83F6DD2DA}" type="datetimeFigureOut">
               <a:rPr lang="en-US" smtClean="0"/>
-              <a:t>10/6/2014</a:t>
+              <a:t>06-Oct-14</a:t>
             </a:fld>
             <a:endParaRPr lang="en-US" dirty="0"/>
           </a:p>
@@ -754,7 +754,7 @@
           </a:ln>
           <a:extLst>
             <a:ext uri="{91240B29-F687-4f45-9708-019B960494DF}">
-              <a14:hiddenLine xmlns="" xmlns:a14="http://schemas.microsoft.com/office/drawing/2010/main" w="9525">
+              <a14:hiddenLine xmlns:a14="http://schemas.microsoft.com/office/drawing/2010/main" xmlns="" w="9525">
                 <a:solidFill>
                   <a:srgbClr val="000000"/>
                 </a:solidFill>
@@ -809,7 +809,7 @@
           </a:ln>
           <a:extLst>
             <a:ext uri="{91240B29-F687-4f45-9708-019B960494DF}">
-              <a14:hiddenLine xmlns="" xmlns:a14="http://schemas.microsoft.com/office/drawing/2010/main" w="9525">
+              <a14:hiddenLine xmlns:a14="http://schemas.microsoft.com/office/drawing/2010/main" xmlns="" w="9525">
                 <a:solidFill>
                   <a:srgbClr val="000000"/>
                 </a:solidFill>
@@ -1072,7 +1072,7 @@
             <a:fld id="{96DFF08F-DC6B-4601-B491-B0F83F6DD2DA}" type="datetimeFigureOut">
               <a:rPr lang="en-US" smtClean="0"/>
               <a:pPr/>
-              <a:t>10/6/2014</a:t>
+              <a:t>06-Oct-14</a:t>
             </a:fld>
             <a:endParaRPr lang="en-US" dirty="0"/>
           </a:p>
@@ -1322,7 +1322,7 @@
             <a:fld id="{96DFF08F-DC6B-4601-B491-B0F83F6DD2DA}" type="datetimeFigureOut">
               <a:rPr lang="en-US" smtClean="0"/>
               <a:pPr/>
-              <a:t>10/6/2014</a:t>
+              <a:t>06-Oct-14</a:t>
             </a:fld>
             <a:endParaRPr lang="en-US" dirty="0"/>
           </a:p>
@@ -1864,7 +1864,7 @@
             <a:fld id="{96DFF08F-DC6B-4601-B491-B0F83F6DD2DA}" type="datetimeFigureOut">
               <a:rPr lang="en-US" smtClean="0"/>
               <a:pPr/>
-              <a:t>10/6/2014</a:t>
+              <a:t>06-Oct-14</a:t>
             </a:fld>
             <a:endParaRPr lang="en-US" dirty="0"/>
           </a:p>
@@ -2114,7 +2114,7 @@
             <a:fld id="{96DFF08F-DC6B-4601-B491-B0F83F6DD2DA}" type="datetimeFigureOut">
               <a:rPr lang="en-US" smtClean="0"/>
               <a:pPr/>
-              <a:t>10/6/2014</a:t>
+              <a:t>06-Oct-14</a:t>
             </a:fld>
             <a:endParaRPr lang="en-US" dirty="0"/>
           </a:p>
@@ -2648,7 +2648,7 @@
             <a:fld id="{96DFF08F-DC6B-4601-B491-B0F83F6DD2DA}" type="datetimeFigureOut">
               <a:rPr lang="en-US" smtClean="0"/>
               <a:pPr/>
-              <a:t>10/6/2014</a:t>
+              <a:t>06-Oct-14</a:t>
             </a:fld>
             <a:endParaRPr lang="en-US" dirty="0"/>
           </a:p>
@@ -2947,7 +2947,7 @@
             <a:fld id="{96DFF08F-DC6B-4601-B491-B0F83F6DD2DA}" type="datetimeFigureOut">
               <a:rPr lang="en-US" smtClean="0"/>
               <a:pPr/>
-              <a:t>10/6/2014</a:t>
+              <a:t>06-Oct-14</a:t>
             </a:fld>
             <a:endParaRPr lang="en-US" dirty="0"/>
           </a:p>
@@ -3122,7 +3122,7 @@
           <a:p>
             <a:fld id="{96DFF08F-DC6B-4601-B491-B0F83F6DD2DA}" type="datetimeFigureOut">
               <a:rPr lang="en-US" smtClean="0"/>
-              <a:t>10/6/2014</a:t>
+              <a:t>06-Oct-14</a:t>
             </a:fld>
             <a:endParaRPr lang="en-US" dirty="0"/>
           </a:p>
@@ -3302,7 +3302,7 @@
           <a:p>
             <a:fld id="{96DFF08F-DC6B-4601-B491-B0F83F6DD2DA}" type="datetimeFigureOut">
               <a:rPr lang="en-US" smtClean="0"/>
-              <a:t>10/6/2014</a:t>
+              <a:t>06-Oct-14</a:t>
             </a:fld>
             <a:endParaRPr lang="en-US" dirty="0"/>
           </a:p>
@@ -3512,7 +3512,7 @@
           <a:p>
             <a:fld id="{2A57D7DE-61AE-4BC6-A87E-9454F8FD646E}" type="datetimeFigureOut">
               <a:rPr lang="en-US" smtClean="0"/>
-              <a:t>10/6/2014</a:t>
+              <a:t>06-Oct-14</a:t>
             </a:fld>
             <a:endParaRPr lang="en-US" dirty="0"/>
           </a:p>
@@ -3775,7 +3775,7 @@
           <a:p>
             <a:fld id="{96DFF08F-DC6B-4601-B491-B0F83F6DD2DA}" type="datetimeFigureOut">
               <a:rPr lang="en-US" smtClean="0"/>
-              <a:t>10/6/2014</a:t>
+              <a:t>06-Oct-14</a:t>
             </a:fld>
             <a:endParaRPr lang="en-US" dirty="0"/>
           </a:p>
@@ -4084,7 +4084,7 @@
           <a:p>
             <a:fld id="{96DFF08F-DC6B-4601-B491-B0F83F6DD2DA}" type="datetimeFigureOut">
               <a:rPr lang="en-US" smtClean="0"/>
-              <a:t>10/6/2014</a:t>
+              <a:t>06-Oct-14</a:t>
             </a:fld>
             <a:endParaRPr lang="en-US" dirty="0"/>
           </a:p>
@@ -4526,7 +4526,7 @@
           <a:p>
             <a:fld id="{96DFF08F-DC6B-4601-B491-B0F83F6DD2DA}" type="datetimeFigureOut">
               <a:rPr lang="en-US" smtClean="0"/>
-              <a:t>10/6/2014</a:t>
+              <a:t>06-Oct-14</a:t>
             </a:fld>
             <a:endParaRPr lang="en-US" dirty="0"/>
           </a:p>
@@ -4644,7 +4644,7 @@
           <a:p>
             <a:fld id="{96DFF08F-DC6B-4601-B491-B0F83F6DD2DA}" type="datetimeFigureOut">
               <a:rPr lang="en-US" smtClean="0"/>
-              <a:t>10/6/2014</a:t>
+              <a:t>06-Oct-14</a:t>
             </a:fld>
             <a:endParaRPr lang="en-US" dirty="0"/>
           </a:p>
@@ -4740,7 +4740,7 @@
             <a:fld id="{96DFF08F-DC6B-4601-B491-B0F83F6DD2DA}" type="datetimeFigureOut">
               <a:rPr lang="en-US" smtClean="0"/>
               <a:pPr/>
-              <a:t>10/6/2014</a:t>
+              <a:t>06-Oct-14</a:t>
             </a:fld>
             <a:endParaRPr lang="en-US" dirty="0"/>
           </a:p>
@@ -5025,7 +5025,7 @@
             <a:fld id="{96DFF08F-DC6B-4601-B491-B0F83F6DD2DA}" type="datetimeFigureOut">
               <a:rPr lang="en-US" smtClean="0"/>
               <a:pPr/>
-              <a:t>10/6/2014</a:t>
+              <a:t>06-Oct-14</a:t>
             </a:fld>
             <a:endParaRPr lang="en-US" dirty="0"/>
           </a:p>
@@ -5318,7 +5318,7 @@
             <a:fld id="{96DFF08F-DC6B-4601-B491-B0F83F6DD2DA}" type="datetimeFigureOut">
               <a:rPr lang="en-US" smtClean="0"/>
               <a:pPr/>
-              <a:t>10/6/2014</a:t>
+              <a:t>06-Oct-14</a:t>
             </a:fld>
             <a:endParaRPr lang="en-US" dirty="0"/>
           </a:p>
@@ -5844,7 +5844,7 @@
             <a:fld id="{96DFF08F-DC6B-4601-B491-B0F83F6DD2DA}" type="datetimeFigureOut">
               <a:rPr lang="en-US" smtClean="0"/>
               <a:pPr/>
-              <a:t>10/6/2014</a:t>
+              <a:t>06-Oct-14</a:t>
             </a:fld>
             <a:endParaRPr lang="en-US" dirty="0"/>
           </a:p>
@@ -7835,8 +7835,8 @@
           </a:p>
         </p:txBody>
       </p:sp>
-      <mc:AlternateContent xmlns:mc="http://schemas.openxmlformats.org/markup-compatibility/2006">
-        <mc:Choice xmlns:a14="http://schemas.microsoft.com/office/drawing/2010/main" Requires="a14">
+      <mc:AlternateContent xmlns:mc="http://schemas.openxmlformats.org/markup-compatibility/2006" xmlns:a14="http://schemas.microsoft.com/office/drawing/2010/main">
+        <mc:Choice Requires="a14">
           <p:sp>
             <p:nvSpPr>
               <p:cNvPr id="3" name="Content Placeholder 2"/>
@@ -8061,11 +8061,7 @@
                 </a:r>
                 <a:r>
                   <a:rPr lang="en-US"/>
-                  <a:t>[</a:t>
-                </a:r>
-                <a:r>
-                  <a:rPr lang="en-US"/>
-                  <a:t>qq</a:t>
+                  <a:t>[qq</a:t>
                 </a:r>
                 <a:r>
                   <a:rPr lang="en-US" smtClean="0"/>
@@ -8077,11 +8073,7 @@
                 </a:r>
                 <a:r>
                   <a:rPr lang="en-US"/>
-                  <a:t>[</a:t>
-                </a:r>
-                <a:r>
-                  <a:rPr lang="en-US"/>
-                  <a:t>qq</a:t>
+                  <a:t>[qq</a:t>
                 </a:r>
                 <a:r>
                   <a:rPr lang="en-US" smtClean="0"/>
@@ -8105,11 +8097,7 @@
                 </a:r>
                 <a:r>
                   <a:rPr lang="en-US"/>
-                  <a:t>[</a:t>
-                </a:r>
-                <a:r>
-                  <a:rPr lang="en-US"/>
-                  <a:t>qq</a:t>
+                  <a:t>[qq</a:t>
                 </a:r>
                 <a:r>
                   <a:rPr lang="en-US" smtClean="0"/>
@@ -8121,11 +8109,7 @@
                 </a:r>
                 <a:r>
                   <a:rPr lang="en-US"/>
-                  <a:t>[qq</a:t>
-                </a:r>
-                <a:r>
-                  <a:rPr lang="en-US"/>
-                  <a:t>]</a:t>
+                  <a:t>[qq]</a:t>
                 </a:r>
                 <a:r>
                   <a:rPr lang="sr-Cyrl-RS" smtClean="0"/>
@@ -8136,7 +8120,7 @@
             </p:txBody>
           </p:sp>
         </mc:Choice>
-        <mc:Fallback>
+        <mc:Fallback xmlns="">
           <p:sp>
             <p:nvSpPr>
               <p:cNvPr id="3" name="Content Placeholder 2"/>
@@ -8791,8 +8775,8 @@
           </a:p>
         </p:txBody>
       </p:sp>
-      <mc:AlternateContent xmlns:mc="http://schemas.openxmlformats.org/markup-compatibility/2006">
-        <mc:Choice xmlns:a14="http://schemas.microsoft.com/office/drawing/2010/main" Requires="a14">
+      <mc:AlternateContent xmlns:mc="http://schemas.openxmlformats.org/markup-compatibility/2006" xmlns:a14="http://schemas.microsoft.com/office/drawing/2010/main">
+        <mc:Choice Requires="a14">
           <p:sp>
             <p:nvSpPr>
               <p:cNvPr id="3" name="Content Placeholder 2"/>
@@ -8843,11 +8827,7 @@
                 </a14:m>
                 <a:r>
                   <a:rPr lang="en-US" smtClean="0"/>
-                  <a:t> </a:t>
-                </a:r>
-                <a:r>
-                  <a:rPr lang="en-US" smtClean="0"/>
-                  <a:t>– </a:t>
+                  <a:t> – </a:t>
                 </a:r>
                 <a:r>
                   <a:rPr lang="sr-Cyrl-RS" smtClean="0"/>
@@ -8877,11 +8857,7 @@
                 </a:r>
                 <a:r>
                   <a:rPr lang="en-US"/>
-                  <a:t>[qq</a:t>
-                </a:r>
-                <a:r>
-                  <a:rPr lang="en-US"/>
-                  <a:t>]</a:t>
+                  <a:t>[qq]</a:t>
                 </a:r>
                 <a:r>
                   <a:rPr lang="sr-Cyrl-RS" smtClean="0"/>
@@ -8925,11 +8901,7 @@
                 </a:r>
                 <a:r>
                   <a:rPr lang="en-US"/>
-                  <a:t>[</a:t>
-                </a:r>
-                <a:r>
-                  <a:rPr lang="en-US"/>
-                  <a:t>qq</a:t>
+                  <a:t>[qq</a:t>
                 </a:r>
                 <a:r>
                   <a:rPr lang="en-US" smtClean="0"/>
@@ -8941,11 +8913,7 @@
                 </a:r>
                 <a:r>
                   <a:rPr lang="en-US"/>
-                  <a:t>[</a:t>
-                </a:r>
-                <a:r>
-                  <a:rPr lang="en-US"/>
-                  <a:t>qq</a:t>
+                  <a:t>[qq</a:t>
                 </a:r>
                 <a:r>
                   <a:rPr lang="en-US" smtClean="0"/>
@@ -8964,11 +8932,7 @@
                 </a:r>
                 <a:r>
                   <a:rPr lang="en-US"/>
-                  <a:t>[</a:t>
-                </a:r>
-                <a:r>
-                  <a:rPr lang="en-US"/>
-                  <a:t>qq</a:t>
+                  <a:t>[qq</a:t>
                 </a:r>
                 <a:r>
                   <a:rPr lang="en-US" smtClean="0"/>
@@ -8980,11 +8944,7 @@
                 </a:r>
                 <a:r>
                   <a:rPr lang="en-US"/>
-                  <a:t>[</a:t>
-                </a:r>
-                <a:r>
-                  <a:rPr lang="en-US"/>
-                  <a:t>qq</a:t>
+                  <a:t>[qq</a:t>
                 </a:r>
                 <a:r>
                   <a:rPr lang="en-US" smtClean="0"/>
@@ -8996,11 +8956,7 @@
                 </a:r>
                 <a:r>
                   <a:rPr lang="en-US"/>
-                  <a:t> [</a:t>
-                </a:r>
-                <a:r>
-                  <a:rPr lang="en-US"/>
-                  <a:t>qq</a:t>
+                  <a:t> [qq</a:t>
                 </a:r>
                 <a:r>
                   <a:rPr lang="en-US" smtClean="0"/>
@@ -9031,7 +8987,7 @@
             </p:txBody>
           </p:sp>
         </mc:Choice>
-        <mc:Fallback>
+        <mc:Fallback xmlns="">
           <p:sp>
             <p:nvSpPr>
               <p:cNvPr id="3" name="Content Placeholder 2"/>
@@ -9125,8 +9081,8 @@
           </a:p>
         </p:txBody>
       </p:sp>
-      <mc:AlternateContent xmlns:mc="http://schemas.openxmlformats.org/markup-compatibility/2006">
-        <mc:Choice xmlns:a14="http://schemas.microsoft.com/office/drawing/2010/main" Requires="a14">
+      <mc:AlternateContent xmlns:mc="http://schemas.openxmlformats.org/markup-compatibility/2006" xmlns:a14="http://schemas.microsoft.com/office/drawing/2010/main">
+        <mc:Choice Requires="a14">
           <p:sp>
             <p:nvSpPr>
               <p:cNvPr id="3" name="Content Placeholder 2"/>
@@ -9251,7 +9207,7 @@
             </p:txBody>
           </p:sp>
         </mc:Choice>
-        <mc:Fallback>
+        <mc:Fallback xmlns="">
           <p:sp>
             <p:nvSpPr>
               <p:cNvPr id="3" name="Content Placeholder 2"/>
@@ -9349,34 +9305,444 @@
           </a:p>
         </p:txBody>
       </p:sp>
-      <p:sp>
-        <p:nvSpPr>
-          <p:cNvPr id="3" name="Content Placeholder 2"/>
-          <p:cNvSpPr>
-            <a:spLocks noGrp="1"/>
-          </p:cNvSpPr>
-          <p:nvPr>
-            <p:ph idx="1"/>
-          </p:nvPr>
-        </p:nvSpPr>
-        <p:spPr/>
-        <p:txBody>
-          <a:bodyPr/>
-          <a:lstStyle/>
-          <a:p>
-            <a:r>
-              <a:rPr lang="sr-Cyrl-RS" smtClean="0"/>
-              <a:t>Математичка формулација</a:t>
-            </a:r>
-          </a:p>
-          <a:p>
-            <a:pPr marL="457200" lvl="1" indent="0">
-              <a:buNone/>
-            </a:pPr>
-            <a:endParaRPr lang="en-US"/>
-          </a:p>
-        </p:txBody>
-      </p:sp>
+      <mc:AlternateContent xmlns:mc="http://schemas.openxmlformats.org/markup-compatibility/2006">
+        <mc:Choice xmlns:a14="http://schemas.microsoft.com/office/drawing/2010/main" Requires="a14">
+          <p:sp>
+            <p:nvSpPr>
+              <p:cNvPr id="3" name="Content Placeholder 2"/>
+              <p:cNvSpPr>
+                <a:spLocks noGrp="1"/>
+              </p:cNvSpPr>
+              <p:nvPr>
+                <p:ph idx="1"/>
+              </p:nvPr>
+            </p:nvSpPr>
+            <p:spPr/>
+            <p:txBody>
+              <a:bodyPr/>
+              <a:lstStyle/>
+              <a:p>
+                <a:r>
+                  <a:rPr lang="sr-Cyrl-RS" dirty="0" smtClean="0"/>
+                  <a:t>Математичка формулација</a:t>
+                </a:r>
+              </a:p>
+              <a:p>
+                <a:pPr lvl="1"/>
+                <a:r>
+                  <a:rPr lang="sr-Cyrl-RS" dirty="0" smtClean="0"/>
+                  <a:t>нека је </a:t>
+                </a:r>
+                <a14:m>
+                  <m:oMath xmlns:m="http://schemas.openxmlformats.org/officeDocument/2006/math">
+                    <m:r>
+                      <a:rPr lang="en-US" b="0" i="1" smtClean="0">
+                        <a:latin typeface="Cambria Math" panose="02040503050406030204" pitchFamily="18" charset="0"/>
+                      </a:rPr>
+                      <m:t>𝐺</m:t>
+                    </m:r>
+                    <m:r>
+                      <a:rPr lang="en-US" b="0" i="1" smtClean="0">
+                        <a:latin typeface="Cambria Math" panose="02040503050406030204" pitchFamily="18" charset="0"/>
+                      </a:rPr>
+                      <m:t>=(</m:t>
+                    </m:r>
+                    <m:r>
+                      <a:rPr lang="en-US" b="0" i="1" smtClean="0">
+                        <a:latin typeface="Cambria Math" panose="02040503050406030204" pitchFamily="18" charset="0"/>
+                      </a:rPr>
+                      <m:t>𝑉</m:t>
+                    </m:r>
+                    <m:r>
+                      <a:rPr lang="en-US" b="0" i="1" smtClean="0">
+                        <a:latin typeface="Cambria Math" panose="02040503050406030204" pitchFamily="18" charset="0"/>
+                      </a:rPr>
+                      <m:t>,</m:t>
+                    </m:r>
+                    <m:r>
+                      <a:rPr lang="en-US" b="0" i="1" smtClean="0">
+                        <a:latin typeface="Cambria Math" panose="02040503050406030204" pitchFamily="18" charset="0"/>
+                      </a:rPr>
+                      <m:t>𝐴</m:t>
+                    </m:r>
+                    <m:r>
+                      <a:rPr lang="en-US" b="0" i="1" smtClean="0">
+                        <a:latin typeface="Cambria Math" panose="02040503050406030204" pitchFamily="18" charset="0"/>
+                      </a:rPr>
+                      <m:t>)</m:t>
+                    </m:r>
+                  </m:oMath>
+                </a14:m>
+                <a:r>
+                  <a:rPr lang="en-US" dirty="0" smtClean="0"/>
+                  <a:t> </a:t>
+                </a:r>
+                <a:r>
+                  <a:rPr lang="sr-Cyrl-RS" dirty="0" smtClean="0"/>
+                  <a:t>комплетан граф</a:t>
+                </a:r>
+              </a:p>
+              <a:p>
+                <a:pPr lvl="1"/>
+                <a14:m>
+                  <m:oMath xmlns:m="http://schemas.openxmlformats.org/officeDocument/2006/math">
+                    <m:r>
+                      <a:rPr lang="en-US" b="0" i="1" smtClean="0">
+                        <a:latin typeface="Cambria Math" panose="02040503050406030204" pitchFamily="18" charset="0"/>
+                      </a:rPr>
+                      <m:t>𝐶</m:t>
+                    </m:r>
+                    <m:r>
+                      <a:rPr lang="en-US" b="0" i="1" smtClean="0">
+                        <a:latin typeface="Cambria Math" panose="02040503050406030204" pitchFamily="18" charset="0"/>
+                      </a:rPr>
+                      <m:t>=[</m:t>
+                    </m:r>
+                    <m:sSub>
+                      <m:sSubPr>
+                        <m:ctrlPr>
+                          <a:rPr lang="en-US" b="0" i="1" smtClean="0">
+                            <a:latin typeface="Cambria Math" panose="02040503050406030204" pitchFamily="18" charset="0"/>
+                          </a:rPr>
+                        </m:ctrlPr>
+                      </m:sSubPr>
+                      <m:e>
+                        <m:r>
+                          <a:rPr lang="en-US" b="0" i="1" smtClean="0">
+                            <a:latin typeface="Cambria Math" panose="02040503050406030204" pitchFamily="18" charset="0"/>
+                          </a:rPr>
+                          <m:t>𝑐</m:t>
+                        </m:r>
+                      </m:e>
+                      <m:sub>
+                        <m:r>
+                          <a:rPr lang="en-US" b="0" i="1" smtClean="0">
+                            <a:latin typeface="Cambria Math" panose="02040503050406030204" pitchFamily="18" charset="0"/>
+                          </a:rPr>
+                          <m:t>𝑖𝑗</m:t>
+                        </m:r>
+                      </m:sub>
+                    </m:sSub>
+                    <m:r>
+                      <a:rPr lang="en-US" b="0" i="1" smtClean="0">
+                        <a:latin typeface="Cambria Math" panose="02040503050406030204" pitchFamily="18" charset="0"/>
+                      </a:rPr>
+                      <m:t>]</m:t>
+                    </m:r>
+                  </m:oMath>
+                </a14:m>
+                <a:r>
+                  <a:rPr lang="en-US" dirty="0" smtClean="0"/>
+                  <a:t> </a:t>
+                </a:r>
+                <a:r>
+                  <a:rPr lang="sr-Cyrl-RS" dirty="0" smtClean="0"/>
+                  <a:t>матрица трошкова</a:t>
+                </a:r>
+              </a:p>
+              <a:p>
+                <a:pPr lvl="1"/>
+                <a14:m>
+                  <m:oMath xmlns:m="http://schemas.openxmlformats.org/officeDocument/2006/math">
+                    <m:sSubSup>
+                      <m:sSubSupPr>
+                        <m:ctrlPr>
+                          <a:rPr lang="en-US" i="1"/>
+                        </m:ctrlPr>
+                      </m:sSubSupPr>
+                      <m:e>
+                        <m:r>
+                          <a:rPr lang="sr-Latn-RS" i="1"/>
+                          <m:t>𝑥</m:t>
+                        </m:r>
+                      </m:e>
+                      <m:sub>
+                        <m:r>
+                          <a:rPr lang="sr-Latn-RS" i="1"/>
+                          <m:t>𝑖</m:t>
+                        </m:r>
+                      </m:sub>
+                      <m:sup>
+                        <m:r>
+                          <a:rPr lang="sr-Latn-RS" i="1"/>
+                          <m:t>(</m:t>
+                        </m:r>
+                        <m:r>
+                          <a:rPr lang="sr-Latn-RS" i="1"/>
+                          <m:t>𝑘</m:t>
+                        </m:r>
+                        <m:r>
+                          <a:rPr lang="sr-Latn-RS" i="1"/>
+                          <m:t>)</m:t>
+                        </m:r>
+                      </m:sup>
+                    </m:sSubSup>
+                    <m:r>
+                      <a:rPr lang="en-US" i="1"/>
+                      <m:t>=</m:t>
+                    </m:r>
+                    <m:d>
+                      <m:dPr>
+                        <m:begChr m:val="{"/>
+                        <m:endChr m:val=""/>
+                        <m:ctrlPr>
+                          <a:rPr lang="en-US" i="1"/>
+                        </m:ctrlPr>
+                      </m:dPr>
+                      <m:e>
+                        <m:eqArr>
+                          <m:eqArrPr>
+                            <m:ctrlPr>
+                              <a:rPr lang="en-US" i="1"/>
+                            </m:ctrlPr>
+                          </m:eqArrPr>
+                          <m:e>
+                            <m:r>
+                              <a:rPr lang="en-US" i="1"/>
+                              <m:t>1,  </m:t>
+                            </m:r>
+                            <m:r>
+                              <a:rPr lang="en-US" i="1" smtClean="0">
+                                <a:solidFill>
+                                  <a:schemeClr val="bg1">
+                                    <a:lumMod val="95000"/>
+                                  </a:schemeClr>
+                                </a:solidFill>
+                              </a:rPr>
+                              <m:t>&amp;</m:t>
+                            </m:r>
+                            <m:r>
+                              <a:rPr lang="en-US" i="1"/>
+                              <m:t>ако је чвор </m:t>
+                            </m:r>
+                            <m:r>
+                              <a:rPr lang="sr-Latn-RS" i="1"/>
+                              <m:t>𝑖</m:t>
+                            </m:r>
+                            <m:r>
+                              <a:rPr lang="sr-Latn-RS" i="1"/>
+                              <m:t> </m:t>
+                            </m:r>
+                            <m:r>
+                              <a:rPr lang="sr-Latn-RS"/>
+                              <m:t>на позицији</m:t>
+                            </m:r>
+                            <m:r>
+                              <a:rPr lang="sr-Latn-RS" i="1"/>
+                              <m:t> </m:t>
+                            </m:r>
+                            <m:r>
+                              <a:rPr lang="sr-Latn-RS" i="1"/>
+                              <m:t>𝑘</m:t>
+                            </m:r>
+                          </m:e>
+                          <m:e>
+                            <m:r>
+                              <a:rPr lang="en-US" i="1"/>
+                              <m:t>0,  </m:t>
+                            </m:r>
+                            <m:r>
+                              <a:rPr lang="en-US" i="1" smtClean="0">
+                                <a:solidFill>
+                                  <a:schemeClr val="bg1">
+                                    <a:lumMod val="95000"/>
+                                  </a:schemeClr>
+                                </a:solidFill>
+                              </a:rPr>
+                              <m:t>&amp;</m:t>
+                            </m:r>
+                            <m:r>
+                              <a:rPr lang="en-US" i="1"/>
+                              <m:t>иначе</m:t>
+                            </m:r>
+                          </m:e>
+                        </m:eqArr>
+                      </m:e>
+                    </m:d>
+                  </m:oMath>
+                </a14:m>
+                <a:endParaRPr lang="en-US" dirty="0"/>
+              </a:p>
+              <a:p>
+                <a:pPr lvl="1"/>
+                <a14:m>
+                  <m:oMath xmlns:m="http://schemas.openxmlformats.org/officeDocument/2006/math">
+                    <m:sSubSup>
+                      <m:sSubSupPr>
+                        <m:ctrlPr>
+                          <a:rPr lang="en-US" i="1"/>
+                        </m:ctrlPr>
+                      </m:sSubSupPr>
+                      <m:e>
+                        <m:r>
+                          <a:rPr lang="sr-Latn-RS" i="1"/>
+                          <m:t>𝑦</m:t>
+                        </m:r>
+                      </m:e>
+                      <m:sub>
+                        <m:r>
+                          <a:rPr lang="sr-Latn-RS" i="1"/>
+                          <m:t>𝑖𝑗</m:t>
+                        </m:r>
+                      </m:sub>
+                      <m:sup>
+                        <m:r>
+                          <a:rPr lang="sr-Latn-RS" i="1"/>
+                          <m:t>(</m:t>
+                        </m:r>
+                        <m:r>
+                          <a:rPr lang="sr-Latn-RS" i="1"/>
+                          <m:t>𝑘</m:t>
+                        </m:r>
+                        <m:r>
+                          <a:rPr lang="sr-Latn-RS" i="1"/>
+                          <m:t>)</m:t>
+                        </m:r>
+                      </m:sup>
+                    </m:sSubSup>
+                    <m:r>
+                      <a:rPr lang="en-US" i="1"/>
+                      <m:t>=</m:t>
+                    </m:r>
+                    <m:d>
+                      <m:dPr>
+                        <m:begChr m:val="{"/>
+                        <m:endChr m:val=""/>
+                        <m:ctrlPr>
+                          <a:rPr lang="en-US" i="1"/>
+                        </m:ctrlPr>
+                      </m:dPr>
+                      <m:e>
+                        <m:eqArr>
+                          <m:eqArrPr>
+                            <m:ctrlPr>
+                              <a:rPr lang="en-US" i="1"/>
+                            </m:ctrlPr>
+                          </m:eqArrPr>
+                          <m:e>
+                            <m:r>
+                              <a:rPr lang="en-US" i="1"/>
+                              <m:t>1,  </m:t>
+                            </m:r>
+                            <m:r>
+                              <a:rPr lang="en-US" i="1" smtClean="0">
+                                <a:solidFill>
+                                  <a:schemeClr val="bg1">
+                                    <a:lumMod val="95000"/>
+                                  </a:schemeClr>
+                                </a:solidFill>
+                              </a:rPr>
+                              <m:t>&amp;</m:t>
+                            </m:r>
+                            <m:r>
+                              <a:rPr lang="en-US" i="1"/>
+                              <m:t>ако је чвор </m:t>
+                            </m:r>
+                            <m:r>
+                              <a:rPr lang="sr-Latn-RS" i="1"/>
+                              <m:t>𝑖</m:t>
+                            </m:r>
+                            <m:r>
+                              <a:rPr lang="sr-Latn-RS" i="1"/>
+                              <m:t> на позицији </m:t>
+                            </m:r>
+                            <m:r>
+                              <a:rPr lang="sr-Latn-RS" i="1"/>
+                              <m:t>𝑘</m:t>
+                            </m:r>
+                            <m:r>
+                              <a:rPr lang="sr-Latn-RS" i="1"/>
+                              <m:t> а чвор </m:t>
+                            </m:r>
+                            <m:r>
+                              <a:rPr lang="sr-Latn-RS" i="1"/>
+                              <m:t>𝑗</m:t>
+                            </m:r>
+                            <m:r>
+                              <a:rPr lang="sr-Latn-RS" i="1"/>
+                              <m:t> на позицији </m:t>
+                            </m:r>
+                            <m:r>
+                              <a:rPr lang="sr-Latn-RS" i="1"/>
+                              <m:t>𝑘</m:t>
+                            </m:r>
+                            <m:r>
+                              <a:rPr lang="sr-Latn-RS" i="1"/>
+                              <m:t>+1</m:t>
+                            </m:r>
+                          </m:e>
+                          <m:e>
+                            <m:r>
+                              <a:rPr lang="en-US" i="1"/>
+                              <m:t>0,  </m:t>
+                            </m:r>
+                            <m:r>
+                              <a:rPr lang="en-US" i="1" smtClean="0">
+                                <a:solidFill>
+                                  <a:schemeClr val="bg1">
+                                    <a:lumMod val="95000"/>
+                                  </a:schemeClr>
+                                </a:solidFill>
+                              </a:rPr>
+                              <m:t>&amp;</m:t>
+                            </m:r>
+                            <m:r>
+                              <a:rPr lang="en-US" i="1"/>
+                              <m:t>иначе</m:t>
+                            </m:r>
+                          </m:e>
+                        </m:eqArr>
+                      </m:e>
+                    </m:d>
+                  </m:oMath>
+                </a14:m>
+                <a:endParaRPr lang="en-US" dirty="0"/>
+              </a:p>
+              <a:p>
+                <a:pPr lvl="1"/>
+                <a:endParaRPr lang="sr-Cyrl-RS" dirty="0" smtClean="0"/>
+              </a:p>
+              <a:p>
+                <a:pPr lvl="1"/>
+                <a:endParaRPr lang="sr-Cyrl-RS" dirty="0" smtClean="0"/>
+              </a:p>
+            </p:txBody>
+          </p:sp>
+        </mc:Choice>
+        <mc:Fallback>
+          <p:sp>
+            <p:nvSpPr>
+              <p:cNvPr id="3" name="Content Placeholder 2"/>
+              <p:cNvSpPr>
+                <a:spLocks noGrp="1" noRot="1" noChangeAspect="1" noMove="1" noResize="1" noEditPoints="1" noAdjustHandles="1" noChangeArrowheads="1" noChangeShapeType="1" noTextEdit="1"/>
+              </p:cNvSpPr>
+              <p:nvPr>
+                <p:ph idx="1"/>
+              </p:nvPr>
+            </p:nvSpPr>
+            <p:spPr>
+              <a:blipFill rotWithShape="0">
+                <a:blip r:embed="rId2"/>
+                <a:stretch>
+                  <a:fillRect l="-1503"/>
+                </a:stretch>
+              </a:blipFill>
+            </p:spPr>
+            <p:txBody>
+              <a:bodyPr/>
+              <a:lstStyle/>
+              <a:p>
+                <a:r>
+                  <a:rPr lang="en-US">
+                    <a:noFill/>
+                  </a:rPr>
+                  <a:t> </a:t>
+                </a:r>
+              </a:p>
+            </p:txBody>
+          </p:sp>
+        </mc:Fallback>
+      </mc:AlternateContent>
     </p:spTree>
     <p:extLst>
       <p:ext uri="{BB962C8B-B14F-4D97-AF65-F5344CB8AC3E}">
